--- a/analyses/output/orca_phenology_progress.pptx
+++ b/analyses/output/orca_phenology_progress.pptx
@@ -8,11 +8,18 @@
     <p:sldId id="256" r:id="rId2"/>
     <p:sldId id="257" r:id="rId3"/>
     <p:sldId id="262" r:id="rId4"/>
-    <p:sldId id="258" r:id="rId5"/>
-    <p:sldId id="261" r:id="rId6"/>
-    <p:sldId id="263" r:id="rId7"/>
-    <p:sldId id="259" r:id="rId8"/>
-    <p:sldId id="260" r:id="rId9"/>
+    <p:sldId id="259" r:id="rId5"/>
+    <p:sldId id="260" r:id="rId6"/>
+    <p:sldId id="258" r:id="rId7"/>
+    <p:sldId id="267" r:id="rId8"/>
+    <p:sldId id="266" r:id="rId9"/>
+    <p:sldId id="261" r:id="rId10"/>
+    <p:sldId id="268" r:id="rId11"/>
+    <p:sldId id="263" r:id="rId12"/>
+    <p:sldId id="264" r:id="rId13"/>
+    <p:sldId id="265" r:id="rId14"/>
+    <p:sldId id="270" r:id="rId15"/>
+    <p:sldId id="269" r:id="rId16"/>
   </p:sldIdLst>
   <p:sldSz cx="12192000" cy="6858000"/>
   <p:notesSz cx="6858000" cy="9144000"/>
@@ -111,6 +118,34 @@
       </a:defRPr>
     </a:lvl9pPr>
   </p:defaultTextStyle>
+  <p:extLst>
+    <p:ext uri="{521415D9-36F7-43E2-AB2F-B90AF26B5E84}">
+      <p14:sectionLst xmlns:p14="http://schemas.microsoft.com/office/powerpoint/2010/main">
+        <p14:section name="Default Section" id="{4B7C5A33-6D73-874D-A4B3-3AEE75D73C45}">
+          <p14:sldIdLst>
+            <p14:sldId id="256"/>
+            <p14:sldId id="257"/>
+            <p14:sldId id="262"/>
+            <p14:sldId id="259"/>
+            <p14:sldId id="260"/>
+            <p14:sldId id="258"/>
+            <p14:sldId id="267"/>
+            <p14:sldId id="266"/>
+            <p14:sldId id="261"/>
+            <p14:sldId id="268"/>
+            <p14:sldId id="263"/>
+            <p14:sldId id="264"/>
+            <p14:sldId id="265"/>
+            <p14:sldId id="270"/>
+            <p14:sldId id="269"/>
+          </p14:sldIdLst>
+        </p14:section>
+      </p14:sectionLst>
+    </p:ext>
+    <p:ext uri="{EFAFB233-063F-42B5-8137-9DF3F51BA10A}">
+      <p15:sldGuideLst xmlns:p15="http://schemas.microsoft.com/office/powerpoint/2012/main"/>
+    </p:ext>
+  </p:extLst>
 </p:presentation>
 </file>
 
@@ -3397,6 +3432,976 @@
 </p:sld>
 </file>
 
+<file path=ppt/slides/slide10.xml><?xml version="1.0" encoding="utf-8"?>
+<p:sld xmlns:a="http://schemas.openxmlformats.org/drawingml/2006/main" xmlns:r="http://schemas.openxmlformats.org/officeDocument/2006/relationships" xmlns:p="http://schemas.openxmlformats.org/presentationml/2006/main">
+  <p:cSld>
+    <p:spTree>
+      <p:nvGrpSpPr>
+        <p:cNvPr id="1" name=""/>
+        <p:cNvGrpSpPr/>
+        <p:nvPr/>
+      </p:nvGrpSpPr>
+      <p:grpSpPr>
+        <a:xfrm>
+          <a:off x="0" y="0"/>
+          <a:ext cx="0" cy="0"/>
+          <a:chOff x="0" y="0"/>
+          <a:chExt cx="0" cy="0"/>
+        </a:xfrm>
+      </p:grpSpPr>
+      <p:sp>
+        <p:nvSpPr>
+          <p:cNvPr id="2" name="Title 1">
+            <a:extLst>
+              <a:ext uri="{FF2B5EF4-FFF2-40B4-BE49-F238E27FC236}">
+                <a16:creationId xmlns:a16="http://schemas.microsoft.com/office/drawing/2014/main" id="{F6E11751-998E-094D-8586-8F3056EB288E}"/>
+              </a:ext>
+            </a:extLst>
+          </p:cNvPr>
+          <p:cNvSpPr>
+            <a:spLocks noGrp="1"/>
+          </p:cNvSpPr>
+          <p:nvPr>
+            <p:ph type="title"/>
+          </p:nvPr>
+        </p:nvSpPr>
+        <p:spPr>
+          <a:xfrm>
+            <a:off x="766281" y="218112"/>
+            <a:ext cx="10668856" cy="983964"/>
+          </a:xfrm>
+        </p:spPr>
+        <p:txBody>
+          <a:bodyPr>
+            <a:normAutofit fontScale="90000"/>
+          </a:bodyPr>
+          <a:lstStyle/>
+          <a:p>
+            <a:r>
+              <a:rPr lang="en-US" dirty="0"/>
+              <a:t>Peak Upper Salish Sea summer detectability appears to vary a lot from year to year</a:t>
+            </a:r>
+          </a:p>
+        </p:txBody>
+      </p:sp>
+      <p:pic>
+        <p:nvPicPr>
+          <p:cNvPr id="8" name="Picture 7">
+            <a:extLst>
+              <a:ext uri="{FF2B5EF4-FFF2-40B4-BE49-F238E27FC236}">
+                <a16:creationId xmlns:a16="http://schemas.microsoft.com/office/drawing/2014/main" id="{80A28CD9-050F-BA4F-BEB1-34D5299E4720}"/>
+              </a:ext>
+            </a:extLst>
+          </p:cNvPr>
+          <p:cNvPicPr>
+            <a:picLocks noChangeAspect="1"/>
+          </p:cNvPicPr>
+          <p:nvPr/>
+        </p:nvPicPr>
+        <p:blipFill>
+          <a:blip r:embed="rId2"/>
+          <a:stretch>
+            <a:fillRect/>
+          </a:stretch>
+        </p:blipFill>
+        <p:spPr>
+          <a:xfrm>
+            <a:off x="255141" y="1107040"/>
+            <a:ext cx="6400800" cy="5486400"/>
+          </a:xfrm>
+          <a:prstGeom prst="rect">
+            <a:avLst/>
+          </a:prstGeom>
+        </p:spPr>
+      </p:pic>
+      <p:pic>
+        <p:nvPicPr>
+          <p:cNvPr id="9" name="Picture 8">
+            <a:extLst>
+              <a:ext uri="{FF2B5EF4-FFF2-40B4-BE49-F238E27FC236}">
+                <a16:creationId xmlns:a16="http://schemas.microsoft.com/office/drawing/2014/main" id="{76C6230A-D2E8-AA46-A727-2487E6EF5744}"/>
+              </a:ext>
+            </a:extLst>
+          </p:cNvPr>
+          <p:cNvPicPr>
+            <a:picLocks noChangeAspect="1"/>
+          </p:cNvPicPr>
+          <p:nvPr/>
+        </p:nvPicPr>
+        <p:blipFill>
+          <a:blip r:embed="rId3"/>
+          <a:stretch>
+            <a:fillRect/>
+          </a:stretch>
+        </p:blipFill>
+        <p:spPr>
+          <a:xfrm>
+            <a:off x="7325478" y="3852808"/>
+            <a:ext cx="5020205" cy="3346803"/>
+          </a:xfrm>
+          <a:prstGeom prst="rect">
+            <a:avLst/>
+          </a:prstGeom>
+        </p:spPr>
+      </p:pic>
+      <p:pic>
+        <p:nvPicPr>
+          <p:cNvPr id="11" name="Picture 10">
+            <a:extLst>
+              <a:ext uri="{FF2B5EF4-FFF2-40B4-BE49-F238E27FC236}">
+                <a16:creationId xmlns:a16="http://schemas.microsoft.com/office/drawing/2014/main" id="{29F1A958-E4D6-8845-A28F-204234441783}"/>
+              </a:ext>
+            </a:extLst>
+          </p:cNvPr>
+          <p:cNvPicPr>
+            <a:picLocks noChangeAspect="1"/>
+          </p:cNvPicPr>
+          <p:nvPr/>
+        </p:nvPicPr>
+        <p:blipFill>
+          <a:blip r:embed="rId4"/>
+          <a:stretch>
+            <a:fillRect/>
+          </a:stretch>
+        </p:blipFill>
+        <p:spPr>
+          <a:xfrm>
+            <a:off x="7283794" y="603609"/>
+            <a:ext cx="5166612" cy="3444408"/>
+          </a:xfrm>
+          <a:prstGeom prst="rect">
+            <a:avLst/>
+          </a:prstGeom>
+        </p:spPr>
+      </p:pic>
+      <p:sp>
+        <p:nvSpPr>
+          <p:cNvPr id="12" name="TextBox 11">
+            <a:extLst>
+              <a:ext uri="{FF2B5EF4-FFF2-40B4-BE49-F238E27FC236}">
+                <a16:creationId xmlns:a16="http://schemas.microsoft.com/office/drawing/2014/main" id="{5E3A2DFF-20EF-F947-ADD4-65FF3FE312DD}"/>
+              </a:ext>
+            </a:extLst>
+          </p:cNvPr>
+          <p:cNvSpPr txBox="1"/>
+          <p:nvPr/>
+        </p:nvSpPr>
+        <p:spPr>
+          <a:xfrm>
+            <a:off x="2167847" y="4304873"/>
+            <a:ext cx="339047" cy="477054"/>
+          </a:xfrm>
+          <a:prstGeom prst="rect">
+            <a:avLst/>
+          </a:prstGeom>
+          <a:noFill/>
+        </p:spPr>
+        <p:txBody>
+          <a:bodyPr wrap="square" rtlCol="0">
+            <a:spAutoFit/>
+          </a:bodyPr>
+          <a:lstStyle/>
+          <a:p>
+            <a:r>
+              <a:rPr lang="en-US" sz="2500" dirty="0">
+                <a:solidFill>
+                  <a:srgbClr val="FF0000"/>
+                </a:solidFill>
+              </a:rPr>
+              <a:t>*</a:t>
+            </a:r>
+          </a:p>
+        </p:txBody>
+      </p:sp>
+      <p:sp>
+        <p:nvSpPr>
+          <p:cNvPr id="13" name="TextBox 12">
+            <a:extLst>
+              <a:ext uri="{FF2B5EF4-FFF2-40B4-BE49-F238E27FC236}">
+                <a16:creationId xmlns:a16="http://schemas.microsoft.com/office/drawing/2014/main" id="{CC53043D-45CE-F143-86F0-7093EF12F698}"/>
+              </a:ext>
+            </a:extLst>
+          </p:cNvPr>
+          <p:cNvSpPr txBox="1"/>
+          <p:nvPr/>
+        </p:nvSpPr>
+        <p:spPr>
+          <a:xfrm>
+            <a:off x="2041355" y="2450328"/>
+            <a:ext cx="339047" cy="477054"/>
+          </a:xfrm>
+          <a:prstGeom prst="rect">
+            <a:avLst/>
+          </a:prstGeom>
+          <a:noFill/>
+        </p:spPr>
+        <p:txBody>
+          <a:bodyPr wrap="square" rtlCol="0">
+            <a:spAutoFit/>
+          </a:bodyPr>
+          <a:lstStyle/>
+          <a:p>
+            <a:r>
+              <a:rPr lang="en-US" sz="2500" dirty="0">
+                <a:solidFill>
+                  <a:srgbClr val="00B0F0"/>
+                </a:solidFill>
+              </a:rPr>
+              <a:t>*</a:t>
+            </a:r>
+          </a:p>
+        </p:txBody>
+      </p:sp>
+      <p:sp>
+        <p:nvSpPr>
+          <p:cNvPr id="14" name="TextBox 13">
+            <a:extLst>
+              <a:ext uri="{FF2B5EF4-FFF2-40B4-BE49-F238E27FC236}">
+                <a16:creationId xmlns:a16="http://schemas.microsoft.com/office/drawing/2014/main" id="{1F147397-B080-0940-B93B-91B549C143CD}"/>
+              </a:ext>
+            </a:extLst>
+          </p:cNvPr>
+          <p:cNvSpPr txBox="1"/>
+          <p:nvPr/>
+        </p:nvSpPr>
+        <p:spPr>
+          <a:xfrm>
+            <a:off x="9393408" y="648137"/>
+            <a:ext cx="339047" cy="477054"/>
+          </a:xfrm>
+          <a:prstGeom prst="rect">
+            <a:avLst/>
+          </a:prstGeom>
+          <a:noFill/>
+        </p:spPr>
+        <p:txBody>
+          <a:bodyPr wrap="square" rtlCol="0">
+            <a:spAutoFit/>
+          </a:bodyPr>
+          <a:lstStyle/>
+          <a:p>
+            <a:r>
+              <a:rPr lang="en-US" sz="2500" dirty="0">
+                <a:solidFill>
+                  <a:srgbClr val="00B0F0"/>
+                </a:solidFill>
+              </a:rPr>
+              <a:t>*</a:t>
+            </a:r>
+          </a:p>
+        </p:txBody>
+      </p:sp>
+      <p:sp>
+        <p:nvSpPr>
+          <p:cNvPr id="15" name="TextBox 14">
+            <a:extLst>
+              <a:ext uri="{FF2B5EF4-FFF2-40B4-BE49-F238E27FC236}">
+                <a16:creationId xmlns:a16="http://schemas.microsoft.com/office/drawing/2014/main" id="{ED7706E9-B2A9-AF4B-A39A-857529FC5D1F}"/>
+              </a:ext>
+            </a:extLst>
+          </p:cNvPr>
+          <p:cNvSpPr txBox="1"/>
+          <p:nvPr/>
+        </p:nvSpPr>
+        <p:spPr>
+          <a:xfrm>
+            <a:off x="9354765" y="3894069"/>
+            <a:ext cx="339047" cy="477054"/>
+          </a:xfrm>
+          <a:prstGeom prst="rect">
+            <a:avLst/>
+          </a:prstGeom>
+          <a:noFill/>
+        </p:spPr>
+        <p:txBody>
+          <a:bodyPr wrap="square" rtlCol="0">
+            <a:spAutoFit/>
+          </a:bodyPr>
+          <a:lstStyle/>
+          <a:p>
+            <a:r>
+              <a:rPr lang="en-US" sz="2500" dirty="0">
+                <a:solidFill>
+                  <a:srgbClr val="FF0000"/>
+                </a:solidFill>
+              </a:rPr>
+              <a:t>*</a:t>
+            </a:r>
+          </a:p>
+        </p:txBody>
+      </p:sp>
+    </p:spTree>
+    <p:extLst>
+      <p:ext uri="{BB962C8B-B14F-4D97-AF65-F5344CB8AC3E}">
+        <p14:creationId xmlns:p14="http://schemas.microsoft.com/office/powerpoint/2010/main" val="905470156"/>
+      </p:ext>
+    </p:extLst>
+  </p:cSld>
+  <p:clrMapOvr>
+    <a:masterClrMapping/>
+  </p:clrMapOvr>
+</p:sld>
+</file>
+
+<file path=ppt/slides/slide11.xml><?xml version="1.0" encoding="utf-8"?>
+<p:sld xmlns:a="http://schemas.openxmlformats.org/drawingml/2006/main" xmlns:r="http://schemas.openxmlformats.org/officeDocument/2006/relationships" xmlns:p="http://schemas.openxmlformats.org/presentationml/2006/main">
+  <p:cSld>
+    <p:spTree>
+      <p:nvGrpSpPr>
+        <p:cNvPr id="1" name=""/>
+        <p:cNvGrpSpPr/>
+        <p:nvPr/>
+      </p:nvGrpSpPr>
+      <p:grpSpPr>
+        <a:xfrm>
+          <a:off x="0" y="0"/>
+          <a:ext cx="0" cy="0"/>
+          <a:chOff x="0" y="0"/>
+          <a:chExt cx="0" cy="0"/>
+        </a:xfrm>
+      </p:grpSpPr>
+      <p:sp>
+        <p:nvSpPr>
+          <p:cNvPr id="2" name="Title 1">
+            <a:extLst>
+              <a:ext uri="{FF2B5EF4-FFF2-40B4-BE49-F238E27FC236}">
+                <a16:creationId xmlns:a16="http://schemas.microsoft.com/office/drawing/2014/main" id="{F6E11751-998E-094D-8586-8F3056EB288E}"/>
+              </a:ext>
+            </a:extLst>
+          </p:cNvPr>
+          <p:cNvSpPr>
+            <a:spLocks noGrp="1"/>
+          </p:cNvSpPr>
+          <p:nvPr>
+            <p:ph type="title"/>
+          </p:nvPr>
+        </p:nvSpPr>
+        <p:spPr>
+          <a:xfrm>
+            <a:off x="766281" y="218112"/>
+            <a:ext cx="10668856" cy="983964"/>
+          </a:xfrm>
+        </p:spPr>
+        <p:txBody>
+          <a:bodyPr>
+            <a:normAutofit fontScale="90000"/>
+          </a:bodyPr>
+          <a:lstStyle/>
+          <a:p>
+            <a:r>
+              <a:rPr lang="en-US" dirty="0"/>
+              <a:t>Peak Upper Salish Sea summer detectability is advancing by 10 days per decade</a:t>
+            </a:r>
+          </a:p>
+        </p:txBody>
+      </p:sp>
+      <p:sp>
+        <p:nvSpPr>
+          <p:cNvPr id="3" name="Rectangle 2">
+            <a:extLst>
+              <a:ext uri="{FF2B5EF4-FFF2-40B4-BE49-F238E27FC236}">
+                <a16:creationId xmlns:a16="http://schemas.microsoft.com/office/drawing/2014/main" id="{AD71712E-A071-5048-B8B9-7AE7C1CB8EB7}"/>
+              </a:ext>
+            </a:extLst>
+          </p:cNvPr>
+          <p:cNvSpPr/>
+          <p:nvPr/>
+        </p:nvSpPr>
+        <p:spPr>
+          <a:xfrm>
+            <a:off x="7931649" y="2144999"/>
+            <a:ext cx="3836307" cy="369332"/>
+          </a:xfrm>
+          <a:prstGeom prst="rect">
+            <a:avLst/>
+          </a:prstGeom>
+        </p:spPr>
+        <p:txBody>
+          <a:bodyPr wrap="none">
+            <a:spAutoFit/>
+          </a:bodyPr>
+          <a:lstStyle/>
+          <a:p>
+            <a:r>
+              <a:rPr lang="en-US" b="0" i="0" dirty="0">
+                <a:solidFill>
+                  <a:srgbClr val="000000"/>
+                </a:solidFill>
+                <a:effectLst/>
+                <a:latin typeface="docs-Roboto"/>
+              </a:rPr>
+              <a:t>Slope =-1.09 days (-01.61,-0.59 50% CI)</a:t>
+            </a:r>
+            <a:endParaRPr lang="en-US" dirty="0"/>
+          </a:p>
+        </p:txBody>
+      </p:sp>
+      <p:pic>
+        <p:nvPicPr>
+          <p:cNvPr id="5" name="Picture 4">
+            <a:extLst>
+              <a:ext uri="{FF2B5EF4-FFF2-40B4-BE49-F238E27FC236}">
+                <a16:creationId xmlns:a16="http://schemas.microsoft.com/office/drawing/2014/main" id="{F3C946E2-2FAA-754D-8C2C-34D80A5E6B96}"/>
+              </a:ext>
+            </a:extLst>
+          </p:cNvPr>
+          <p:cNvPicPr>
+            <a:picLocks noChangeAspect="1"/>
+          </p:cNvPicPr>
+          <p:nvPr/>
+        </p:nvPicPr>
+        <p:blipFill>
+          <a:blip r:embed="rId2"/>
+          <a:stretch>
+            <a:fillRect/>
+          </a:stretch>
+        </p:blipFill>
+        <p:spPr>
+          <a:xfrm>
+            <a:off x="152399" y="951827"/>
+            <a:ext cx="7358009" cy="6306865"/>
+          </a:xfrm>
+          <a:prstGeom prst="rect">
+            <a:avLst/>
+          </a:prstGeom>
+        </p:spPr>
+      </p:pic>
+    </p:spTree>
+    <p:extLst>
+      <p:ext uri="{BB962C8B-B14F-4D97-AF65-F5344CB8AC3E}">
+        <p14:creationId xmlns:p14="http://schemas.microsoft.com/office/powerpoint/2010/main" val="1775623819"/>
+      </p:ext>
+    </p:extLst>
+  </p:cSld>
+  <p:clrMapOvr>
+    <a:masterClrMapping/>
+  </p:clrMapOvr>
+</p:sld>
+</file>
+
+<file path=ppt/slides/slide12.xml><?xml version="1.0" encoding="utf-8"?>
+<p:sld xmlns:a="http://schemas.openxmlformats.org/drawingml/2006/main" xmlns:r="http://schemas.openxmlformats.org/officeDocument/2006/relationships" xmlns:p="http://schemas.openxmlformats.org/presentationml/2006/main">
+  <p:cSld>
+    <p:spTree>
+      <p:nvGrpSpPr>
+        <p:cNvPr id="1" name=""/>
+        <p:cNvGrpSpPr/>
+        <p:nvPr/>
+      </p:nvGrpSpPr>
+      <p:grpSpPr>
+        <a:xfrm>
+          <a:off x="0" y="0"/>
+          <a:ext cx="0" cy="0"/>
+          <a:chOff x="0" y="0"/>
+          <a:chExt cx="0" cy="0"/>
+        </a:xfrm>
+      </p:grpSpPr>
+      <p:sp>
+        <p:nvSpPr>
+          <p:cNvPr id="2" name="Title 1">
+            <a:extLst>
+              <a:ext uri="{FF2B5EF4-FFF2-40B4-BE49-F238E27FC236}">
+                <a16:creationId xmlns:a16="http://schemas.microsoft.com/office/drawing/2014/main" id="{F42E0AE2-CCF9-9C4A-B671-B6593940F3AF}"/>
+              </a:ext>
+            </a:extLst>
+          </p:cNvPr>
+          <p:cNvSpPr>
+            <a:spLocks noGrp="1"/>
+          </p:cNvSpPr>
+          <p:nvPr>
+            <p:ph type="title"/>
+          </p:nvPr>
+        </p:nvSpPr>
+        <p:spPr/>
+        <p:txBody>
+          <a:bodyPr/>
+          <a:lstStyle/>
+          <a:p>
+            <a:endParaRPr lang="en-US" dirty="0"/>
+          </a:p>
+        </p:txBody>
+      </p:sp>
+      <p:pic>
+        <p:nvPicPr>
+          <p:cNvPr id="5" name="Content Placeholder 4">
+            <a:extLst>
+              <a:ext uri="{FF2B5EF4-FFF2-40B4-BE49-F238E27FC236}">
+                <a16:creationId xmlns:a16="http://schemas.microsoft.com/office/drawing/2014/main" id="{00CB6082-88A3-094C-95DD-01B6829D8EDA}"/>
+              </a:ext>
+            </a:extLst>
+          </p:cNvPr>
+          <p:cNvPicPr>
+            <a:picLocks noGrp="1" noChangeAspect="1"/>
+          </p:cNvPicPr>
+          <p:nvPr>
+            <p:ph idx="1"/>
+          </p:nvPr>
+        </p:nvPicPr>
+        <p:blipFill>
+          <a:blip r:embed="rId2"/>
+          <a:stretch>
+            <a:fillRect/>
+          </a:stretch>
+        </p:blipFill>
+        <p:spPr>
+          <a:xfrm>
+            <a:off x="1758044" y="-584089"/>
+            <a:ext cx="7536563" cy="7536563"/>
+          </a:xfrm>
+        </p:spPr>
+      </p:pic>
+    </p:spTree>
+    <p:extLst>
+      <p:ext uri="{BB962C8B-B14F-4D97-AF65-F5344CB8AC3E}">
+        <p14:creationId xmlns:p14="http://schemas.microsoft.com/office/powerpoint/2010/main" val="809364089"/>
+      </p:ext>
+    </p:extLst>
+  </p:cSld>
+  <p:clrMapOvr>
+    <a:masterClrMapping/>
+  </p:clrMapOvr>
+</p:sld>
+</file>
+
+<file path=ppt/slides/slide13.xml><?xml version="1.0" encoding="utf-8"?>
+<p:sld xmlns:a="http://schemas.openxmlformats.org/drawingml/2006/main" xmlns:r="http://schemas.openxmlformats.org/officeDocument/2006/relationships" xmlns:p="http://schemas.openxmlformats.org/presentationml/2006/main">
+  <p:cSld>
+    <p:spTree>
+      <p:nvGrpSpPr>
+        <p:cNvPr id="1" name=""/>
+        <p:cNvGrpSpPr/>
+        <p:nvPr/>
+      </p:nvGrpSpPr>
+      <p:grpSpPr>
+        <a:xfrm>
+          <a:off x="0" y="0"/>
+          <a:ext cx="0" cy="0"/>
+          <a:chOff x="0" y="0"/>
+          <a:chExt cx="0" cy="0"/>
+        </a:xfrm>
+      </p:grpSpPr>
+      <p:sp>
+        <p:nvSpPr>
+          <p:cNvPr id="2" name="Title 1">
+            <a:extLst>
+              <a:ext uri="{FF2B5EF4-FFF2-40B4-BE49-F238E27FC236}">
+                <a16:creationId xmlns:a16="http://schemas.microsoft.com/office/drawing/2014/main" id="{F6E11751-998E-094D-8586-8F3056EB288E}"/>
+              </a:ext>
+            </a:extLst>
+          </p:cNvPr>
+          <p:cNvSpPr>
+            <a:spLocks noGrp="1"/>
+          </p:cNvSpPr>
+          <p:nvPr>
+            <p:ph type="title"/>
+          </p:nvPr>
+        </p:nvSpPr>
+        <p:spPr>
+          <a:xfrm>
+            <a:off x="766281" y="218112"/>
+            <a:ext cx="10668856" cy="983964"/>
+          </a:xfrm>
+        </p:spPr>
+        <p:txBody>
+          <a:bodyPr>
+            <a:normAutofit fontScale="90000"/>
+          </a:bodyPr>
+          <a:lstStyle/>
+          <a:p>
+            <a:r>
+              <a:rPr lang="en-US" dirty="0"/>
+              <a:t>Peak Upper Salish Sea summer detectability varies a lot from year to year</a:t>
+            </a:r>
+          </a:p>
+        </p:txBody>
+      </p:sp>
+      <p:pic>
+        <p:nvPicPr>
+          <p:cNvPr id="8" name="Picture 7">
+            <a:extLst>
+              <a:ext uri="{FF2B5EF4-FFF2-40B4-BE49-F238E27FC236}">
+                <a16:creationId xmlns:a16="http://schemas.microsoft.com/office/drawing/2014/main" id="{80A28CD9-050F-BA4F-BEB1-34D5299E4720}"/>
+              </a:ext>
+            </a:extLst>
+          </p:cNvPr>
+          <p:cNvPicPr>
+            <a:picLocks noChangeAspect="1"/>
+          </p:cNvPicPr>
+          <p:nvPr/>
+        </p:nvPicPr>
+        <p:blipFill>
+          <a:blip r:embed="rId2"/>
+          <a:stretch>
+            <a:fillRect/>
+          </a:stretch>
+        </p:blipFill>
+        <p:spPr>
+          <a:xfrm>
+            <a:off x="255141" y="1107040"/>
+            <a:ext cx="6400800" cy="5486400"/>
+          </a:xfrm>
+          <a:prstGeom prst="rect">
+            <a:avLst/>
+          </a:prstGeom>
+        </p:spPr>
+      </p:pic>
+      <p:sp>
+        <p:nvSpPr>
+          <p:cNvPr id="3" name="Rectangle 2">
+            <a:extLst>
+              <a:ext uri="{FF2B5EF4-FFF2-40B4-BE49-F238E27FC236}">
+                <a16:creationId xmlns:a16="http://schemas.microsoft.com/office/drawing/2014/main" id="{64E52CC1-AD08-D346-8C67-EA411EFC9966}"/>
+              </a:ext>
+            </a:extLst>
+          </p:cNvPr>
+          <p:cNvSpPr/>
+          <p:nvPr/>
+        </p:nvSpPr>
+        <p:spPr>
+          <a:xfrm>
+            <a:off x="7091443" y="1785404"/>
+            <a:ext cx="4693016" cy="923330"/>
+          </a:xfrm>
+          <a:prstGeom prst="rect">
+            <a:avLst/>
+          </a:prstGeom>
+        </p:spPr>
+        <p:txBody>
+          <a:bodyPr wrap="square">
+            <a:spAutoFit/>
+          </a:bodyPr>
+          <a:lstStyle/>
+          <a:p>
+            <a:pPr marL="342900" indent="-342900">
+              <a:buAutoNum type="arabicParenR"/>
+            </a:pPr>
+            <a:r>
+              <a:rPr lang="en-US" dirty="0"/>
+              <a:t>What drives this variation?</a:t>
+            </a:r>
+          </a:p>
+          <a:p>
+            <a:pPr marL="800100" lvl="1" indent="-342900">
+              <a:buFont typeface="Arial" panose="020B0604020202020204" pitchFamily="34" charset="0"/>
+              <a:buChar char="•"/>
+            </a:pPr>
+            <a:r>
+              <a:rPr lang="en-US" dirty="0"/>
+              <a:t>Fish</a:t>
+            </a:r>
+          </a:p>
+          <a:p>
+            <a:pPr marL="342900" indent="-342900">
+              <a:buAutoNum type="arabicParenR"/>
+            </a:pPr>
+            <a:endParaRPr lang="en-US" dirty="0"/>
+          </a:p>
+        </p:txBody>
+      </p:sp>
+    </p:spTree>
+    <p:extLst>
+      <p:ext uri="{BB962C8B-B14F-4D97-AF65-F5344CB8AC3E}">
+        <p14:creationId xmlns:p14="http://schemas.microsoft.com/office/powerpoint/2010/main" val="2026885407"/>
+      </p:ext>
+    </p:extLst>
+  </p:cSld>
+  <p:clrMapOvr>
+    <a:masterClrMapping/>
+  </p:clrMapOvr>
+</p:sld>
+</file>
+
+<file path=ppt/slides/slide14.xml><?xml version="1.0" encoding="utf-8"?>
+<p:sld xmlns:a="http://schemas.openxmlformats.org/drawingml/2006/main" xmlns:r="http://schemas.openxmlformats.org/officeDocument/2006/relationships" xmlns:p="http://schemas.openxmlformats.org/presentationml/2006/main">
+  <p:cSld>
+    <p:spTree>
+      <p:nvGrpSpPr>
+        <p:cNvPr id="1" name=""/>
+        <p:cNvGrpSpPr/>
+        <p:nvPr/>
+      </p:nvGrpSpPr>
+      <p:grpSpPr>
+        <a:xfrm>
+          <a:off x="0" y="0"/>
+          <a:ext cx="0" cy="0"/>
+          <a:chOff x="0" y="0"/>
+          <a:chExt cx="0" cy="0"/>
+        </a:xfrm>
+      </p:grpSpPr>
+      <p:sp>
+        <p:nvSpPr>
+          <p:cNvPr id="2" name="Title 1">
+            <a:extLst>
+              <a:ext uri="{FF2B5EF4-FFF2-40B4-BE49-F238E27FC236}">
+                <a16:creationId xmlns:a16="http://schemas.microsoft.com/office/drawing/2014/main" id="{F6E11751-998E-094D-8586-8F3056EB288E}"/>
+              </a:ext>
+            </a:extLst>
+          </p:cNvPr>
+          <p:cNvSpPr>
+            <a:spLocks noGrp="1"/>
+          </p:cNvSpPr>
+          <p:nvPr>
+            <p:ph type="title"/>
+          </p:nvPr>
+        </p:nvSpPr>
+        <p:spPr>
+          <a:xfrm>
+            <a:off x="766281" y="218112"/>
+            <a:ext cx="10668856" cy="983964"/>
+          </a:xfrm>
+        </p:spPr>
+        <p:txBody>
+          <a:bodyPr>
+            <a:normAutofit fontScale="90000"/>
+          </a:bodyPr>
+          <a:lstStyle/>
+          <a:p>
+            <a:r>
+              <a:rPr lang="en-US" dirty="0"/>
+              <a:t>Odd vs Even years? (need to redo this with updated model results)</a:t>
+            </a:r>
+          </a:p>
+        </p:txBody>
+      </p:sp>
+      <p:pic>
+        <p:nvPicPr>
+          <p:cNvPr id="5" name="Picture 4">
+            <a:extLst>
+              <a:ext uri="{FF2B5EF4-FFF2-40B4-BE49-F238E27FC236}">
+                <a16:creationId xmlns:a16="http://schemas.microsoft.com/office/drawing/2014/main" id="{293B3580-75F1-C24E-BEF1-2DDDCC7412F0}"/>
+              </a:ext>
+            </a:extLst>
+          </p:cNvPr>
+          <p:cNvPicPr>
+            <a:picLocks noChangeAspect="1"/>
+          </p:cNvPicPr>
+          <p:nvPr/>
+        </p:nvPicPr>
+        <p:blipFill>
+          <a:blip r:embed="rId2"/>
+          <a:stretch>
+            <a:fillRect/>
+          </a:stretch>
+        </p:blipFill>
+        <p:spPr>
+          <a:xfrm>
+            <a:off x="4081019" y="796155"/>
+            <a:ext cx="4596939" cy="5948979"/>
+          </a:xfrm>
+          <a:prstGeom prst="rect">
+            <a:avLst/>
+          </a:prstGeom>
+        </p:spPr>
+      </p:pic>
+    </p:spTree>
+    <p:extLst>
+      <p:ext uri="{BB962C8B-B14F-4D97-AF65-F5344CB8AC3E}">
+        <p14:creationId xmlns:p14="http://schemas.microsoft.com/office/powerpoint/2010/main" val="661704505"/>
+      </p:ext>
+    </p:extLst>
+  </p:cSld>
+  <p:clrMapOvr>
+    <a:masterClrMapping/>
+  </p:clrMapOvr>
+</p:sld>
+</file>
+
+<file path=ppt/slides/slide15.xml><?xml version="1.0" encoding="utf-8"?>
+<p:sld xmlns:a="http://schemas.openxmlformats.org/drawingml/2006/main" xmlns:r="http://schemas.openxmlformats.org/officeDocument/2006/relationships" xmlns:p="http://schemas.openxmlformats.org/presentationml/2006/main">
+  <p:cSld>
+    <p:spTree>
+      <p:nvGrpSpPr>
+        <p:cNvPr id="1" name=""/>
+        <p:cNvGrpSpPr/>
+        <p:nvPr/>
+      </p:nvGrpSpPr>
+      <p:grpSpPr>
+        <a:xfrm>
+          <a:off x="0" y="0"/>
+          <a:ext cx="0" cy="0"/>
+          <a:chOff x="0" y="0"/>
+          <a:chExt cx="0" cy="0"/>
+        </a:xfrm>
+      </p:grpSpPr>
+      <p:sp>
+        <p:nvSpPr>
+          <p:cNvPr id="2" name="Title 1">
+            <a:extLst>
+              <a:ext uri="{FF2B5EF4-FFF2-40B4-BE49-F238E27FC236}">
+                <a16:creationId xmlns:a16="http://schemas.microsoft.com/office/drawing/2014/main" id="{F6E11751-998E-094D-8586-8F3056EB288E}"/>
+              </a:ext>
+            </a:extLst>
+          </p:cNvPr>
+          <p:cNvSpPr>
+            <a:spLocks noGrp="1"/>
+          </p:cNvSpPr>
+          <p:nvPr>
+            <p:ph type="title"/>
+          </p:nvPr>
+        </p:nvSpPr>
+        <p:spPr>
+          <a:xfrm>
+            <a:off x="766281" y="218112"/>
+            <a:ext cx="10668856" cy="983964"/>
+          </a:xfrm>
+        </p:spPr>
+        <p:txBody>
+          <a:bodyPr>
+            <a:normAutofit fontScale="90000"/>
+          </a:bodyPr>
+          <a:lstStyle/>
+          <a:p>
+            <a:r>
+              <a:rPr lang="en-US" dirty="0"/>
+              <a:t>Peak Upper Salish Sea summer detectability varies a lot from year to year</a:t>
+            </a:r>
+          </a:p>
+        </p:txBody>
+      </p:sp>
+      <p:pic>
+        <p:nvPicPr>
+          <p:cNvPr id="8" name="Picture 7">
+            <a:extLst>
+              <a:ext uri="{FF2B5EF4-FFF2-40B4-BE49-F238E27FC236}">
+                <a16:creationId xmlns:a16="http://schemas.microsoft.com/office/drawing/2014/main" id="{80A28CD9-050F-BA4F-BEB1-34D5299E4720}"/>
+              </a:ext>
+            </a:extLst>
+          </p:cNvPr>
+          <p:cNvPicPr>
+            <a:picLocks noChangeAspect="1"/>
+          </p:cNvPicPr>
+          <p:nvPr/>
+        </p:nvPicPr>
+        <p:blipFill>
+          <a:blip r:embed="rId2"/>
+          <a:stretch>
+            <a:fillRect/>
+          </a:stretch>
+        </p:blipFill>
+        <p:spPr>
+          <a:xfrm>
+            <a:off x="255141" y="1107040"/>
+            <a:ext cx="6400800" cy="5486400"/>
+          </a:xfrm>
+          <a:prstGeom prst="rect">
+            <a:avLst/>
+          </a:prstGeom>
+        </p:spPr>
+      </p:pic>
+      <p:sp>
+        <p:nvSpPr>
+          <p:cNvPr id="3" name="Rectangle 2">
+            <a:extLst>
+              <a:ext uri="{FF2B5EF4-FFF2-40B4-BE49-F238E27FC236}">
+                <a16:creationId xmlns:a16="http://schemas.microsoft.com/office/drawing/2014/main" id="{64E52CC1-AD08-D346-8C67-EA411EFC9966}"/>
+              </a:ext>
+            </a:extLst>
+          </p:cNvPr>
+          <p:cNvSpPr/>
+          <p:nvPr/>
+        </p:nvSpPr>
+        <p:spPr>
+          <a:xfrm>
+            <a:off x="7091443" y="1785404"/>
+            <a:ext cx="4693016" cy="3693319"/>
+          </a:xfrm>
+          <a:prstGeom prst="rect">
+            <a:avLst/>
+          </a:prstGeom>
+        </p:spPr>
+        <p:txBody>
+          <a:bodyPr wrap="square">
+            <a:spAutoFit/>
+          </a:bodyPr>
+          <a:lstStyle/>
+          <a:p>
+            <a:pPr marL="342900" indent="-342900">
+              <a:buAutoNum type="arabicParenR"/>
+            </a:pPr>
+            <a:r>
+              <a:rPr lang="en-US" dirty="0"/>
+              <a:t>What drives this variation?</a:t>
+            </a:r>
+          </a:p>
+          <a:p>
+            <a:pPr marL="800100" lvl="1" indent="-342900">
+              <a:buFont typeface="Arial" panose="020B0604020202020204" pitchFamily="34" charset="0"/>
+              <a:buChar char="•"/>
+            </a:pPr>
+            <a:r>
+              <a:rPr lang="en-US" dirty="0"/>
+              <a:t>Fish</a:t>
+            </a:r>
+          </a:p>
+          <a:p>
+            <a:pPr marL="800100" lvl="1" indent="-342900">
+              <a:buFont typeface="Arial" panose="020B0604020202020204" pitchFamily="34" charset="0"/>
+              <a:buChar char="•"/>
+            </a:pPr>
+            <a:r>
+              <a:rPr lang="en-US" dirty="0"/>
+              <a:t>Climate (temperature, precipitation)</a:t>
+            </a:r>
+          </a:p>
+          <a:p>
+            <a:pPr marL="342900" indent="-342900">
+              <a:buAutoNum type="arabicParenR"/>
+            </a:pPr>
+            <a:r>
+              <a:rPr lang="en-US" dirty="0"/>
+              <a:t>Do first observation dates also show this variability (and advance)?</a:t>
+            </a:r>
+          </a:p>
+          <a:p>
+            <a:pPr marL="800100" lvl="1" indent="-342900">
+              <a:buFont typeface="Arial" panose="020B0604020202020204" pitchFamily="34" charset="0"/>
+              <a:buChar char="•"/>
+            </a:pPr>
+            <a:r>
+              <a:rPr lang="en-US" dirty="0"/>
+              <a:t>Determining “first” (threshold, consecutive weeks?)</a:t>
+            </a:r>
+          </a:p>
+          <a:p>
+            <a:pPr marL="342900" indent="-342900">
+              <a:buAutoNum type="arabicParenR"/>
+            </a:pPr>
+            <a:r>
+              <a:rPr lang="en-US" dirty="0"/>
+              <a:t>Is duration of time spent in different areas changing? (can we estimate this, given strong increase in observation effort?)</a:t>
+            </a:r>
+          </a:p>
+          <a:p>
+            <a:pPr marL="800100" lvl="1" indent="-342900">
+              <a:buFont typeface="Arial" panose="020B0604020202020204" pitchFamily="34" charset="0"/>
+              <a:buChar char="•"/>
+            </a:pPr>
+            <a:r>
+              <a:rPr lang="en-US" dirty="0"/>
+              <a:t>Residence time? (use movement models, talk to Briana)</a:t>
+            </a:r>
+          </a:p>
+          <a:p>
+            <a:pPr marL="342900" indent="-342900">
+              <a:buAutoNum type="arabicParenR"/>
+            </a:pPr>
+            <a:endParaRPr lang="en-US" dirty="0"/>
+          </a:p>
+        </p:txBody>
+      </p:sp>
+    </p:spTree>
+    <p:extLst>
+      <p:ext uri="{BB962C8B-B14F-4D97-AF65-F5344CB8AC3E}">
+        <p14:creationId xmlns:p14="http://schemas.microsoft.com/office/powerpoint/2010/main" val="1595432376"/>
+      </p:ext>
+    </p:extLst>
+  </p:cSld>
+  <p:clrMapOvr>
+    <a:masterClrMapping/>
+  </p:clrMapOvr>
+</p:sld>
+</file>
+
 <file path=ppt/slides/slide2.xml><?xml version="1.0" encoding="utf-8"?>
 <p:sld xmlns:a="http://schemas.openxmlformats.org/drawingml/2006/main" xmlns:r="http://schemas.openxmlformats.org/officeDocument/2006/relationships" xmlns:p="http://schemas.openxmlformats.org/presentationml/2006/main">
   <p:cSld>
@@ -3559,15 +4564,19 @@
             </a:br>
             <a:r>
               <a:rPr lang="en-US" sz="3600" dirty="0"/>
-              <a:t>1) Upper Salish Sea (FAs 4-7)</a:t>
+              <a:t>1) Puget Sound (FAs 8-13)</a:t>
             </a:r>
             <a:br>
               <a:rPr lang="en-US" sz="3600" dirty="0"/>
             </a:br>
             <a:r>
               <a:rPr lang="en-US" sz="3600" dirty="0"/>
-              <a:t>2) Puget Sound (FAs 8-13)</a:t>
-            </a:r>
+              <a:t>2) Upper Salish Sea (FAs 4-7)</a:t>
+            </a:r>
+            <a:br>
+              <a:rPr lang="en-US" sz="3600" dirty="0"/>
+            </a:br>
+            <a:endParaRPr lang="en-US" sz="3600" dirty="0"/>
           </a:p>
         </p:txBody>
       </p:sp>
@@ -3647,33 +4656,38 @@
             <p:ph type="title"/>
           </p:nvPr>
         </p:nvSpPr>
-        <p:spPr/>
-        <p:txBody>
-          <a:bodyPr/>
+        <p:spPr>
+          <a:xfrm>
+            <a:off x="838200" y="365126"/>
+            <a:ext cx="10515600" cy="581686"/>
+          </a:xfrm>
+        </p:spPr>
+        <p:txBody>
+          <a:bodyPr>
+            <a:normAutofit fontScale="90000"/>
+          </a:bodyPr>
           <a:lstStyle/>
           <a:p>
             <a:r>
               <a:rPr lang="en-US" dirty="0"/>
-              <a:t>Upper Salish Sea Use (Summer, 1May-1Oct)</a:t>
+              <a:t>Puget Sound Use (Winter, 1Oct-1Mar)</a:t>
             </a:r>
           </a:p>
         </p:txBody>
       </p:sp>
       <p:pic>
         <p:nvPicPr>
-          <p:cNvPr id="5" name="Content Placeholder 4">
-            <a:extLst>
-              <a:ext uri="{FF2B5EF4-FFF2-40B4-BE49-F238E27FC236}">
-                <a16:creationId xmlns:a16="http://schemas.microsoft.com/office/drawing/2014/main" id="{04540B18-51D9-804E-8CAF-868B6D6ACAD5}"/>
+          <p:cNvPr id="7" name="Picture 6">
+            <a:extLst>
+              <a:ext uri="{FF2B5EF4-FFF2-40B4-BE49-F238E27FC236}">
+                <a16:creationId xmlns:a16="http://schemas.microsoft.com/office/drawing/2014/main" id="{5D77914A-9D9A-804F-BFD7-64033B03A950}"/>
               </a:ext>
             </a:extLst>
           </p:cNvPr>
           <p:cNvPicPr>
-            <a:picLocks noGrp="1" noChangeAspect="1"/>
+            <a:picLocks noChangeAspect="1"/>
           </p:cNvPicPr>
-          <p:nvPr>
-            <p:ph idx="1"/>
-          </p:nvPr>
+          <p:nvPr/>
         </p:nvPicPr>
         <p:blipFill>
           <a:blip r:embed="rId2"/>
@@ -3683,24 +4697,29 @@
         </p:blipFill>
         <p:spPr>
           <a:xfrm>
-            <a:off x="171490" y="1690688"/>
-            <a:ext cx="5783978" cy="3855985"/>
-          </a:xfrm>
+            <a:off x="128858" y="946812"/>
+            <a:ext cx="5715185" cy="3810123"/>
+          </a:xfrm>
+          <a:prstGeom prst="rect">
+            <a:avLst/>
+          </a:prstGeom>
         </p:spPr>
       </p:pic>
       <p:pic>
         <p:nvPicPr>
-          <p:cNvPr id="7" name="Picture 6">
-            <a:extLst>
-              <a:ext uri="{FF2B5EF4-FFF2-40B4-BE49-F238E27FC236}">
-                <a16:creationId xmlns:a16="http://schemas.microsoft.com/office/drawing/2014/main" id="{C61C32F9-00AF-3C4C-BBE1-C7CCCBE201A4}"/>
+          <p:cNvPr id="12" name="Content Placeholder 11">
+            <a:extLst>
+              <a:ext uri="{FF2B5EF4-FFF2-40B4-BE49-F238E27FC236}">
+                <a16:creationId xmlns:a16="http://schemas.microsoft.com/office/drawing/2014/main" id="{BFA10FC4-64AB-3245-BD4A-6297E7770C47}"/>
               </a:ext>
             </a:extLst>
           </p:cNvPr>
           <p:cNvPicPr>
-            <a:picLocks noChangeAspect="1"/>
+            <a:picLocks noGrp="1" noChangeAspect="1"/>
           </p:cNvPicPr>
-          <p:nvPr/>
+          <p:nvPr>
+            <p:ph idx="1"/>
+          </p:nvPr>
         </p:nvPicPr>
         <p:blipFill>
           <a:blip r:embed="rId3"/>
@@ -3710,18 +4729,15 @@
         </p:blipFill>
         <p:spPr>
           <a:xfrm>
-            <a:off x="5803187" y="1245466"/>
-            <a:ext cx="6690189" cy="4460126"/>
-          </a:xfrm>
-          <a:prstGeom prst="rect">
-            <a:avLst/>
-          </a:prstGeom>
+            <a:off x="5649582" y="655969"/>
+            <a:ext cx="6295838" cy="4197225"/>
+          </a:xfrm>
         </p:spPr>
       </p:pic>
     </p:spTree>
     <p:extLst>
       <p:ext uri="{BB962C8B-B14F-4D97-AF65-F5344CB8AC3E}">
-        <p14:creationId xmlns:p14="http://schemas.microsoft.com/office/powerpoint/2010/main" val="707176995"/>
+        <p14:creationId xmlns:p14="http://schemas.microsoft.com/office/powerpoint/2010/main" val="1121661199"/>
       </p:ext>
     </p:extLst>
   </p:cSld>
@@ -3778,24 +4794,26 @@
           <a:p>
             <a:r>
               <a:rPr lang="en-US" dirty="0"/>
-              <a:t>Peak Upper Salish Sea summer detectability varies a lot from year to year</a:t>
+              <a:t>Peak Puget Sound winter detectability is advancing by 4 days per decade</a:t>
             </a:r>
           </a:p>
         </p:txBody>
       </p:sp>
       <p:pic>
         <p:nvPicPr>
-          <p:cNvPr id="8" name="Picture 7">
-            <a:extLst>
-              <a:ext uri="{FF2B5EF4-FFF2-40B4-BE49-F238E27FC236}">
-                <a16:creationId xmlns:a16="http://schemas.microsoft.com/office/drawing/2014/main" id="{80A28CD9-050F-BA4F-BEB1-34D5299E4720}"/>
+          <p:cNvPr id="5" name="Content Placeholder 4">
+            <a:extLst>
+              <a:ext uri="{FF2B5EF4-FFF2-40B4-BE49-F238E27FC236}">
+                <a16:creationId xmlns:a16="http://schemas.microsoft.com/office/drawing/2014/main" id="{65A899DE-1F67-0C4F-AED5-111F6DA23211}"/>
               </a:ext>
             </a:extLst>
           </p:cNvPr>
           <p:cNvPicPr>
-            <a:picLocks noChangeAspect="1"/>
+            <a:picLocks noGrp="1" noChangeAspect="1"/>
           </p:cNvPicPr>
-          <p:nvPr/>
+          <p:nvPr>
+            <p:ph idx="1"/>
+          </p:nvPr>
         </p:nvPicPr>
         <p:blipFill>
           <a:blip r:embed="rId2"/>
@@ -3805,18 +4823,56 @@
         </p:blipFill>
         <p:spPr>
           <a:xfrm>
-            <a:off x="255141" y="1107040"/>
-            <a:ext cx="6400800" cy="5486400"/>
+            <a:off x="588487" y="1034509"/>
+            <a:ext cx="7343162" cy="6294139"/>
+          </a:xfrm>
+        </p:spPr>
+      </p:pic>
+      <p:sp>
+        <p:nvSpPr>
+          <p:cNvPr id="3" name="Rectangle 2">
+            <a:extLst>
+              <a:ext uri="{FF2B5EF4-FFF2-40B4-BE49-F238E27FC236}">
+                <a16:creationId xmlns:a16="http://schemas.microsoft.com/office/drawing/2014/main" id="{AD71712E-A071-5048-B8B9-7AE7C1CB8EB7}"/>
+              </a:ext>
+            </a:extLst>
+          </p:cNvPr>
+          <p:cNvSpPr/>
+          <p:nvPr/>
+        </p:nvSpPr>
+        <p:spPr>
+          <a:xfrm>
+            <a:off x="7931649" y="2144999"/>
+            <a:ext cx="2916183" cy="369332"/>
           </a:xfrm>
           <a:prstGeom prst="rect">
             <a:avLst/>
           </a:prstGeom>
         </p:spPr>
-      </p:pic>
+        <p:txBody>
+          <a:bodyPr wrap="none">
+            <a:spAutoFit/>
+          </a:bodyPr>
+          <a:lstStyle/>
+          <a:p>
+            <a:r>
+              <a:rPr lang="en-US" b="0" i="0" dirty="0">
+                <a:solidFill>
+                  <a:srgbClr val="000000"/>
+                </a:solidFill>
+                <a:effectLst/>
+                <a:latin typeface="docs-Roboto"/>
+              </a:rPr>
+              <a:t>Slope =-0.4 days (-0.83,-0.02)</a:t>
+            </a:r>
+            <a:endParaRPr lang="en-US" dirty="0"/>
+          </a:p>
+        </p:txBody>
+      </p:sp>
     </p:spTree>
     <p:extLst>
       <p:ext uri="{BB962C8B-B14F-4D97-AF65-F5344CB8AC3E}">
-        <p14:creationId xmlns:p14="http://schemas.microsoft.com/office/powerpoint/2010/main" val="3944821827"/>
+        <p14:creationId xmlns:p14="http://schemas.microsoft.com/office/powerpoint/2010/main" val="3684210861"/>
       </p:ext>
     </p:extLst>
   </p:cSld>
@@ -3859,100 +4915,22 @@
             <p:ph type="title"/>
           </p:nvPr>
         </p:nvSpPr>
-        <p:spPr>
-          <a:xfrm>
-            <a:off x="766281" y="218112"/>
-            <a:ext cx="10668856" cy="983964"/>
-          </a:xfrm>
-        </p:spPr>
-        <p:txBody>
-          <a:bodyPr>
-            <a:normAutofit fontScale="90000"/>
-          </a:bodyPr>
+        <p:spPr/>
+        <p:txBody>
+          <a:bodyPr/>
           <a:lstStyle/>
           <a:p>
             <a:r>
               <a:rPr lang="en-US" dirty="0"/>
-              <a:t>Peak Upper Salish Sea summer detectability is advancing by 10 days per decade</a:t>
-            </a:r>
-          </a:p>
-        </p:txBody>
-      </p:sp>
-      <p:sp>
-        <p:nvSpPr>
-          <p:cNvPr id="3" name="Rectangle 2">
-            <a:extLst>
-              <a:ext uri="{FF2B5EF4-FFF2-40B4-BE49-F238E27FC236}">
-                <a16:creationId xmlns:a16="http://schemas.microsoft.com/office/drawing/2014/main" id="{AD71712E-A071-5048-B8B9-7AE7C1CB8EB7}"/>
-              </a:ext>
-            </a:extLst>
-          </p:cNvPr>
-          <p:cNvSpPr/>
-          <p:nvPr/>
-        </p:nvSpPr>
-        <p:spPr>
-          <a:xfrm>
-            <a:off x="7931649" y="2144999"/>
-            <a:ext cx="3836307" cy="369332"/>
-          </a:xfrm>
-          <a:prstGeom prst="rect">
-            <a:avLst/>
-          </a:prstGeom>
-        </p:spPr>
-        <p:txBody>
-          <a:bodyPr wrap="none">
-            <a:spAutoFit/>
-          </a:bodyPr>
-          <a:lstStyle/>
-          <a:p>
-            <a:r>
-              <a:rPr lang="en-US" b="0" i="0" dirty="0">
-                <a:solidFill>
-                  <a:srgbClr val="000000"/>
-                </a:solidFill>
-                <a:effectLst/>
-                <a:latin typeface="docs-Roboto"/>
-              </a:rPr>
-              <a:t>Slope =-1.09 days (-01.61,-0.59 50% CI)</a:t>
-            </a:r>
-            <a:endParaRPr lang="en-US" dirty="0"/>
-          </a:p>
-        </p:txBody>
-      </p:sp>
-      <p:pic>
-        <p:nvPicPr>
-          <p:cNvPr id="5" name="Picture 4">
-            <a:extLst>
-              <a:ext uri="{FF2B5EF4-FFF2-40B4-BE49-F238E27FC236}">
-                <a16:creationId xmlns:a16="http://schemas.microsoft.com/office/drawing/2014/main" id="{F3C946E2-2FAA-754D-8C2C-34D80A5E6B96}"/>
-              </a:ext>
-            </a:extLst>
-          </p:cNvPr>
-          <p:cNvPicPr>
-            <a:picLocks noChangeAspect="1"/>
-          </p:cNvPicPr>
-          <p:nvPr/>
-        </p:nvPicPr>
-        <p:blipFill>
-          <a:blip r:embed="rId2"/>
-          <a:stretch>
-            <a:fillRect/>
-          </a:stretch>
-        </p:blipFill>
-        <p:spPr>
-          <a:xfrm>
-            <a:off x="152399" y="951827"/>
-            <a:ext cx="7358009" cy="6306865"/>
-          </a:xfrm>
-          <a:prstGeom prst="rect">
-            <a:avLst/>
-          </a:prstGeom>
-        </p:spPr>
-      </p:pic>
+              <a:t>Upper Salish Sea Use (Summer, 1May-1Oct)</a:t>
+            </a:r>
+          </a:p>
+        </p:txBody>
+      </p:sp>
     </p:spTree>
     <p:extLst>
       <p:ext uri="{BB962C8B-B14F-4D97-AF65-F5344CB8AC3E}">
-        <p14:creationId xmlns:p14="http://schemas.microsoft.com/office/powerpoint/2010/main" val="1775623819"/>
+        <p14:creationId xmlns:p14="http://schemas.microsoft.com/office/powerpoint/2010/main" val="707176995"/>
       </p:ext>
     </p:extLst>
   </p:cSld>
@@ -3995,38 +4973,33 @@
             <p:ph type="title"/>
           </p:nvPr>
         </p:nvSpPr>
-        <p:spPr>
-          <a:xfrm>
-            <a:off x="838200" y="365126"/>
-            <a:ext cx="10515600" cy="581686"/>
-          </a:xfrm>
-        </p:spPr>
-        <p:txBody>
-          <a:bodyPr>
-            <a:normAutofit fontScale="90000"/>
-          </a:bodyPr>
+        <p:spPr/>
+        <p:txBody>
+          <a:bodyPr/>
           <a:lstStyle/>
           <a:p>
             <a:r>
               <a:rPr lang="en-US" dirty="0"/>
-              <a:t>Puget Sound Use (Winter, 1Oct-1Mar)</a:t>
+              <a:t>Upper Salish Sea Use (Summer, 1May-1Oct)</a:t>
             </a:r>
           </a:p>
         </p:txBody>
       </p:sp>
       <p:pic>
         <p:nvPicPr>
-          <p:cNvPr id="7" name="Picture 6">
-            <a:extLst>
-              <a:ext uri="{FF2B5EF4-FFF2-40B4-BE49-F238E27FC236}">
-                <a16:creationId xmlns:a16="http://schemas.microsoft.com/office/drawing/2014/main" id="{5D77914A-9D9A-804F-BFD7-64033B03A950}"/>
+          <p:cNvPr id="5" name="Content Placeholder 4">
+            <a:extLst>
+              <a:ext uri="{FF2B5EF4-FFF2-40B4-BE49-F238E27FC236}">
+                <a16:creationId xmlns:a16="http://schemas.microsoft.com/office/drawing/2014/main" id="{04540B18-51D9-804E-8CAF-868B6D6ACAD5}"/>
               </a:ext>
             </a:extLst>
           </p:cNvPr>
           <p:cNvPicPr>
-            <a:picLocks noChangeAspect="1"/>
+            <a:picLocks noGrp="1" noChangeAspect="1"/>
           </p:cNvPicPr>
-          <p:nvPr/>
+          <p:nvPr>
+            <p:ph idx="1"/>
+          </p:nvPr>
         </p:nvPicPr>
         <p:blipFill>
           <a:blip r:embed="rId2"/>
@@ -4036,29 +5009,24 @@
         </p:blipFill>
         <p:spPr>
           <a:xfrm>
-            <a:off x="128858" y="946812"/>
-            <a:ext cx="5715185" cy="3810123"/>
-          </a:xfrm>
-          <a:prstGeom prst="rect">
-            <a:avLst/>
-          </a:prstGeom>
+            <a:off x="171490" y="1690688"/>
+            <a:ext cx="5783978" cy="3855985"/>
+          </a:xfrm>
         </p:spPr>
       </p:pic>
       <p:pic>
         <p:nvPicPr>
-          <p:cNvPr id="12" name="Content Placeholder 11">
-            <a:extLst>
-              <a:ext uri="{FF2B5EF4-FFF2-40B4-BE49-F238E27FC236}">
-                <a16:creationId xmlns:a16="http://schemas.microsoft.com/office/drawing/2014/main" id="{BFA10FC4-64AB-3245-BD4A-6297E7770C47}"/>
+          <p:cNvPr id="7" name="Picture 6">
+            <a:extLst>
+              <a:ext uri="{FF2B5EF4-FFF2-40B4-BE49-F238E27FC236}">
+                <a16:creationId xmlns:a16="http://schemas.microsoft.com/office/drawing/2014/main" id="{C61C32F9-00AF-3C4C-BBE1-C7CCCBE201A4}"/>
               </a:ext>
             </a:extLst>
           </p:cNvPr>
           <p:cNvPicPr>
-            <a:picLocks noGrp="1" noChangeAspect="1"/>
+            <a:picLocks noChangeAspect="1"/>
           </p:cNvPicPr>
-          <p:nvPr>
-            <p:ph idx="1"/>
-          </p:nvPr>
+          <p:nvPr/>
         </p:nvPicPr>
         <p:blipFill>
           <a:blip r:embed="rId3"/>
@@ -4068,15 +5036,18 @@
         </p:blipFill>
         <p:spPr>
           <a:xfrm>
-            <a:off x="5649582" y="655969"/>
-            <a:ext cx="6295838" cy="4197225"/>
-          </a:xfrm>
+            <a:off x="5803187" y="1245466"/>
+            <a:ext cx="6690189" cy="4460126"/>
+          </a:xfrm>
+          <a:prstGeom prst="rect">
+            <a:avLst/>
+          </a:prstGeom>
         </p:spPr>
       </p:pic>
     </p:spTree>
     <p:extLst>
       <p:ext uri="{BB962C8B-B14F-4D97-AF65-F5344CB8AC3E}">
-        <p14:creationId xmlns:p14="http://schemas.microsoft.com/office/powerpoint/2010/main" val="4248599680"/>
+        <p14:creationId xmlns:p14="http://schemas.microsoft.com/office/powerpoint/2010/main" val="3816285152"/>
       </p:ext>
     </p:extLst>
   </p:cSld>
@@ -4133,26 +5104,24 @@
           <a:p>
             <a:r>
               <a:rPr lang="en-US" dirty="0"/>
-              <a:t>Peak Puget Sound winter detectability is advancing by 4 days per decade</a:t>
+              <a:t>Peak Upper Salish Sea summer detectability appears to vary a lot from year to year</a:t>
             </a:r>
           </a:p>
         </p:txBody>
       </p:sp>
       <p:pic>
         <p:nvPicPr>
-          <p:cNvPr id="5" name="Content Placeholder 4">
-            <a:extLst>
-              <a:ext uri="{FF2B5EF4-FFF2-40B4-BE49-F238E27FC236}">
-                <a16:creationId xmlns:a16="http://schemas.microsoft.com/office/drawing/2014/main" id="{65A899DE-1F67-0C4F-AED5-111F6DA23211}"/>
+          <p:cNvPr id="8" name="Picture 7">
+            <a:extLst>
+              <a:ext uri="{FF2B5EF4-FFF2-40B4-BE49-F238E27FC236}">
+                <a16:creationId xmlns:a16="http://schemas.microsoft.com/office/drawing/2014/main" id="{80A28CD9-050F-BA4F-BEB1-34D5299E4720}"/>
               </a:ext>
             </a:extLst>
           </p:cNvPr>
           <p:cNvPicPr>
-            <a:picLocks noGrp="1" noChangeAspect="1"/>
+            <a:picLocks noChangeAspect="1"/>
           </p:cNvPicPr>
-          <p:nvPr>
-            <p:ph idx="1"/>
-          </p:nvPr>
+          <p:nvPr/>
         </p:nvPicPr>
         <p:blipFill>
           <a:blip r:embed="rId2"/>
@@ -4162,56 +5131,191 @@
         </p:blipFill>
         <p:spPr>
           <a:xfrm>
-            <a:off x="588487" y="1034509"/>
-            <a:ext cx="7343162" cy="6294139"/>
-          </a:xfrm>
-        </p:spPr>
-      </p:pic>
-      <p:sp>
-        <p:nvSpPr>
-          <p:cNvPr id="3" name="Rectangle 2">
-            <a:extLst>
-              <a:ext uri="{FF2B5EF4-FFF2-40B4-BE49-F238E27FC236}">
-                <a16:creationId xmlns:a16="http://schemas.microsoft.com/office/drawing/2014/main" id="{AD71712E-A071-5048-B8B9-7AE7C1CB8EB7}"/>
-              </a:ext>
-            </a:extLst>
-          </p:cNvPr>
-          <p:cNvSpPr/>
-          <p:nvPr/>
-        </p:nvSpPr>
-        <p:spPr>
-          <a:xfrm>
-            <a:off x="7931649" y="2144999"/>
-            <a:ext cx="2916183" cy="369332"/>
+            <a:off x="255141" y="1107040"/>
+            <a:ext cx="6400800" cy="5486400"/>
           </a:xfrm>
           <a:prstGeom prst="rect">
             <a:avLst/>
           </a:prstGeom>
         </p:spPr>
-        <p:txBody>
-          <a:bodyPr wrap="none">
-            <a:spAutoFit/>
-          </a:bodyPr>
-          <a:lstStyle/>
-          <a:p>
-            <a:r>
-              <a:rPr lang="en-US" b="0" i="0" dirty="0">
-                <a:solidFill>
-                  <a:srgbClr val="000000"/>
-                </a:solidFill>
-                <a:effectLst/>
-                <a:latin typeface="docs-Roboto"/>
-              </a:rPr>
-              <a:t>Slope =-0.4 days (-0.83,-0.02)</a:t>
-            </a:r>
-            <a:endParaRPr lang="en-US" dirty="0"/>
-          </a:p>
-        </p:txBody>
-      </p:sp>
+      </p:pic>
     </p:spTree>
     <p:extLst>
       <p:ext uri="{BB962C8B-B14F-4D97-AF65-F5344CB8AC3E}">
-        <p14:creationId xmlns:p14="http://schemas.microsoft.com/office/powerpoint/2010/main" val="3264086731"/>
+        <p14:creationId xmlns:p14="http://schemas.microsoft.com/office/powerpoint/2010/main" val="2048237737"/>
+      </p:ext>
+    </p:extLst>
+  </p:cSld>
+  <p:clrMapOvr>
+    <a:masterClrMapping/>
+  </p:clrMapOvr>
+</p:sld>
+</file>
+
+<file path=ppt/slides/slide9.xml><?xml version="1.0" encoding="utf-8"?>
+<p:sld xmlns:a="http://schemas.openxmlformats.org/drawingml/2006/main" xmlns:r="http://schemas.openxmlformats.org/officeDocument/2006/relationships" xmlns:p="http://schemas.openxmlformats.org/presentationml/2006/main">
+  <p:cSld>
+    <p:spTree>
+      <p:nvGrpSpPr>
+        <p:cNvPr id="1" name=""/>
+        <p:cNvGrpSpPr/>
+        <p:nvPr/>
+      </p:nvGrpSpPr>
+      <p:grpSpPr>
+        <a:xfrm>
+          <a:off x="0" y="0"/>
+          <a:ext cx="0" cy="0"/>
+          <a:chOff x="0" y="0"/>
+          <a:chExt cx="0" cy="0"/>
+        </a:xfrm>
+      </p:grpSpPr>
+      <p:sp>
+        <p:nvSpPr>
+          <p:cNvPr id="2" name="Title 1">
+            <a:extLst>
+              <a:ext uri="{FF2B5EF4-FFF2-40B4-BE49-F238E27FC236}">
+                <a16:creationId xmlns:a16="http://schemas.microsoft.com/office/drawing/2014/main" id="{F6E11751-998E-094D-8586-8F3056EB288E}"/>
+              </a:ext>
+            </a:extLst>
+          </p:cNvPr>
+          <p:cNvSpPr>
+            <a:spLocks noGrp="1"/>
+          </p:cNvSpPr>
+          <p:nvPr>
+            <p:ph type="title"/>
+          </p:nvPr>
+        </p:nvSpPr>
+        <p:spPr>
+          <a:xfrm>
+            <a:off x="766281" y="218112"/>
+            <a:ext cx="10668856" cy="983964"/>
+          </a:xfrm>
+        </p:spPr>
+        <p:txBody>
+          <a:bodyPr>
+            <a:normAutofit fontScale="90000"/>
+          </a:bodyPr>
+          <a:lstStyle/>
+          <a:p>
+            <a:r>
+              <a:rPr lang="en-US" dirty="0"/>
+              <a:t>Peak Upper Salish Sea summer detectability appears to vary a lot from year to year</a:t>
+            </a:r>
+          </a:p>
+        </p:txBody>
+      </p:sp>
+      <p:pic>
+        <p:nvPicPr>
+          <p:cNvPr id="8" name="Picture 7">
+            <a:extLst>
+              <a:ext uri="{FF2B5EF4-FFF2-40B4-BE49-F238E27FC236}">
+                <a16:creationId xmlns:a16="http://schemas.microsoft.com/office/drawing/2014/main" id="{80A28CD9-050F-BA4F-BEB1-34D5299E4720}"/>
+              </a:ext>
+            </a:extLst>
+          </p:cNvPr>
+          <p:cNvPicPr>
+            <a:picLocks noChangeAspect="1"/>
+          </p:cNvPicPr>
+          <p:nvPr/>
+        </p:nvPicPr>
+        <p:blipFill>
+          <a:blip r:embed="rId2"/>
+          <a:stretch>
+            <a:fillRect/>
+          </a:stretch>
+        </p:blipFill>
+        <p:spPr>
+          <a:xfrm>
+            <a:off x="255141" y="1107040"/>
+            <a:ext cx="6400800" cy="5486400"/>
+          </a:xfrm>
+          <a:prstGeom prst="rect">
+            <a:avLst/>
+          </a:prstGeom>
+        </p:spPr>
+      </p:pic>
+      <p:sp>
+        <p:nvSpPr>
+          <p:cNvPr id="12" name="TextBox 11">
+            <a:extLst>
+              <a:ext uri="{FF2B5EF4-FFF2-40B4-BE49-F238E27FC236}">
+                <a16:creationId xmlns:a16="http://schemas.microsoft.com/office/drawing/2014/main" id="{5E3A2DFF-20EF-F947-ADD4-65FF3FE312DD}"/>
+              </a:ext>
+            </a:extLst>
+          </p:cNvPr>
+          <p:cNvSpPr txBox="1"/>
+          <p:nvPr/>
+        </p:nvSpPr>
+        <p:spPr>
+          <a:xfrm>
+            <a:off x="2167847" y="4304873"/>
+            <a:ext cx="339047" cy="477054"/>
+          </a:xfrm>
+          <a:prstGeom prst="rect">
+            <a:avLst/>
+          </a:prstGeom>
+          <a:noFill/>
+        </p:spPr>
+        <p:txBody>
+          <a:bodyPr wrap="square" rtlCol="0">
+            <a:spAutoFit/>
+          </a:bodyPr>
+          <a:lstStyle/>
+          <a:p>
+            <a:r>
+              <a:rPr lang="en-US" sz="2500" dirty="0">
+                <a:solidFill>
+                  <a:srgbClr val="FF0000"/>
+                </a:solidFill>
+              </a:rPr>
+              <a:t>*</a:t>
+            </a:r>
+          </a:p>
+        </p:txBody>
+      </p:sp>
+      <p:sp>
+        <p:nvSpPr>
+          <p:cNvPr id="13" name="TextBox 12">
+            <a:extLst>
+              <a:ext uri="{FF2B5EF4-FFF2-40B4-BE49-F238E27FC236}">
+                <a16:creationId xmlns:a16="http://schemas.microsoft.com/office/drawing/2014/main" id="{CC53043D-45CE-F143-86F0-7093EF12F698}"/>
+              </a:ext>
+            </a:extLst>
+          </p:cNvPr>
+          <p:cNvSpPr txBox="1"/>
+          <p:nvPr/>
+        </p:nvSpPr>
+        <p:spPr>
+          <a:xfrm>
+            <a:off x="2041355" y="2450328"/>
+            <a:ext cx="339047" cy="477054"/>
+          </a:xfrm>
+          <a:prstGeom prst="rect">
+            <a:avLst/>
+          </a:prstGeom>
+          <a:noFill/>
+        </p:spPr>
+        <p:txBody>
+          <a:bodyPr wrap="square" rtlCol="0">
+            <a:spAutoFit/>
+          </a:bodyPr>
+          <a:lstStyle/>
+          <a:p>
+            <a:r>
+              <a:rPr lang="en-US" sz="2500" dirty="0">
+                <a:solidFill>
+                  <a:srgbClr val="00B0F0"/>
+                </a:solidFill>
+              </a:rPr>
+              <a:t>*</a:t>
+            </a:r>
+          </a:p>
+        </p:txBody>
+      </p:sp>
+    </p:spTree>
+    <p:extLst>
+      <p:ext uri="{BB962C8B-B14F-4D97-AF65-F5344CB8AC3E}">
+        <p14:creationId xmlns:p14="http://schemas.microsoft.com/office/powerpoint/2010/main" val="2903564263"/>
       </p:ext>
     </p:extLst>
   </p:cSld>
